--- a/assets/original/model_rapport.pptx
+++ b/assets/original/model_rapport.pptx
@@ -104,6 +104,11 @@
       </a:defRPr>
     </a:lvl9pPr>
   </p:defaultTextStyle>
+  <p:extLst>
+    <p:ext uri="{EFAFB233-063F-42B5-8137-9DF3F51BA10A}">
+      <p15:sldGuideLst xmlns:p15="http://schemas.microsoft.com/office/powerpoint/2012/main"/>
+    </p:ext>
+  </p:extLst>
 </p:presentation>
 </file>
 
@@ -3040,7 +3045,7 @@
         </p:blipFill>
         <p:spPr>
           <a:xfrm>
-            <a:off x="411480" y="1094972"/>
+            <a:off x="411480" y="1624360"/>
             <a:ext cx="6035040" cy="2640806"/>
           </a:xfrm>
           <a:prstGeom prst="rect">
@@ -3085,10 +3090,10 @@
         </p:nvGrpSpPr>
         <p:grpSpPr>
           <a:xfrm>
-            <a:off x="0" y="81280"/>
-            <a:ext cx="4528457" cy="360000"/>
-            <a:chOff x="1178560" y="81280"/>
-            <a:chExt cx="4528457" cy="360000"/>
+            <a:off x="1" y="81280"/>
+            <a:ext cx="4183049" cy="360000"/>
+            <a:chOff x="1178561" y="81280"/>
+            <a:chExt cx="4183049" cy="360000"/>
           </a:xfrm>
           <a:solidFill>
             <a:srgbClr val="FFC30B"/>
@@ -3102,8 +3107,8 @@
           </p:nvSpPr>
           <p:spPr>
             <a:xfrm>
-              <a:off x="1178560" y="81280"/>
-              <a:ext cx="4528457" cy="360000"/>
+              <a:off x="1178561" y="81280"/>
+              <a:ext cx="4183049" cy="360000"/>
             </a:xfrm>
             <a:prstGeom prst="rect">
               <a:avLst/>
@@ -3159,7 +3164,7 @@
           <p:spPr>
             <a:xfrm>
               <a:off x="1269000" y="81280"/>
-              <a:ext cx="4320000" cy="360000"/>
+              <a:ext cx="3859260" cy="360000"/>
             </a:xfrm>
             <a:prstGeom prst="rect">
               <a:avLst/>
@@ -3199,7 +3204,29 @@
                   <a:ea typeface="Arial Narrow" charset="0"/>
                   <a:cs typeface="Arial Narrow" charset="0"/>
                 </a:rPr>
-                <a:t>Rapport production bobine du 28/12/2017</a:t>
+                <a:t>Rapport </a:t>
+              </a:r>
+              <a:r>
+                <a:rPr lang="fr-FR" smtClean="0">
+                  <a:solidFill>
+                    <a:schemeClr val="tx1"/>
+                  </a:solidFill>
+                  <a:latin typeface="Arial Narrow" charset="0"/>
+                  <a:ea typeface="Arial Narrow" charset="0"/>
+                  <a:cs typeface="Arial Narrow" charset="0"/>
+                </a:rPr>
+                <a:t>quotidient</a:t>
+              </a:r>
+              <a:r>
+                <a:rPr lang="fr-FR" dirty="0" smtClean="0">
+                  <a:solidFill>
+                    <a:schemeClr val="tx1"/>
+                  </a:solidFill>
+                  <a:latin typeface="Arial Narrow" charset="0"/>
+                  <a:ea typeface="Arial Narrow" charset="0"/>
+                  <a:cs typeface="Arial Narrow" charset="0"/>
+                </a:rPr>
+                <a:t> production bobine</a:t>
               </a:r>
               <a:endParaRPr lang="fr-FR" dirty="0">
                 <a:solidFill>
@@ -3221,7 +3248,7 @@
         </p:nvSpPr>
         <p:spPr>
           <a:xfrm>
-            <a:off x="411480" y="575439"/>
+            <a:off x="411480" y="1104827"/>
             <a:ext cx="6035040" cy="369332"/>
           </a:xfrm>
           <a:prstGeom prst="rect">
@@ -3281,7 +3308,7 @@
         </p:nvSpPr>
         <p:spPr>
           <a:xfrm>
-            <a:off x="411480" y="3885979"/>
+            <a:off x="411480" y="4415367"/>
             <a:ext cx="6035040" cy="369332"/>
           </a:xfrm>
           <a:prstGeom prst="rect">
@@ -3341,7 +3368,7 @@
         </p:nvSpPr>
         <p:spPr>
           <a:xfrm>
-            <a:off x="411480" y="6163044"/>
+            <a:off x="411480" y="6692432"/>
             <a:ext cx="6035040" cy="369332"/>
           </a:xfrm>
           <a:prstGeom prst="rect">
@@ -3369,40 +3396,7 @@
                 <a:ea typeface="Arial Narrow" charset="0"/>
                 <a:cs typeface="Arial Narrow" charset="0"/>
               </a:rPr>
-              <a:t>D</a:t>
-            </a:r>
-            <a:r>
-              <a:rPr lang="en-US" dirty="0" smtClean="0">
-                <a:solidFill>
-                  <a:srgbClr val="FFC30B"/>
-                </a:solidFill>
-                <a:latin typeface="Arial Narrow" charset="0"/>
-                <a:ea typeface="Arial Narrow" charset="0"/>
-                <a:cs typeface="Arial Narrow" charset="0"/>
-              </a:rPr>
-              <a:t>étail </a:t>
-            </a:r>
-            <a:r>
-              <a:rPr lang="en-US" dirty="0" smtClean="0">
-                <a:solidFill>
-                  <a:srgbClr val="FFC30B"/>
-                </a:solidFill>
-                <a:latin typeface="Arial Narrow" charset="0"/>
-                <a:ea typeface="Arial Narrow" charset="0"/>
-                <a:cs typeface="Arial Narrow" charset="0"/>
-              </a:rPr>
-              <a:t>des arr</a:t>
-            </a:r>
-            <a:r>
-              <a:rPr lang="en-US" dirty="0" smtClean="0">
-                <a:solidFill>
-                  <a:srgbClr val="FFC30B"/>
-                </a:solidFill>
-                <a:latin typeface="Arial Narrow" charset="0"/>
-                <a:ea typeface="Arial Narrow" charset="0"/>
-                <a:cs typeface="Arial Narrow" charset="0"/>
-              </a:rPr>
-              <a:t>êts machines</a:t>
+              <a:t>Détail des arrêts machines</a:t>
             </a:r>
             <a:endParaRPr lang="fr-FR" dirty="0">
               <a:solidFill>
@@ -3423,7 +3417,7 @@
         </p:nvSpPr>
         <p:spPr>
           <a:xfrm>
-            <a:off x="411480" y="4607399"/>
+            <a:off x="411480" y="5136787"/>
             <a:ext cx="1800000" cy="1384995"/>
           </a:xfrm>
           <a:prstGeom prst="rect">
@@ -3431,9 +3425,7 @@
           </a:prstGeom>
           <a:noFill/>
           <a:ln>
-            <a:solidFill>
-              <a:srgbClr val="0053A5"/>
-            </a:solidFill>
+            <a:noFill/>
           </a:ln>
         </p:spPr>
         <p:txBody>
@@ -3551,7 +3543,7 @@
         </p:nvGrpSpPr>
         <p:grpSpPr>
           <a:xfrm>
-            <a:off x="553910" y="4768545"/>
+            <a:off x="553910" y="5297933"/>
             <a:ext cx="1511620" cy="277832"/>
             <a:chOff x="2898820" y="7418316"/>
             <a:chExt cx="1800000" cy="323566"/>
@@ -3638,7 +3630,7 @@
         </p:nvSpPr>
         <p:spPr>
           <a:xfrm>
-            <a:off x="956352" y="4744601"/>
+            <a:off x="956352" y="5273989"/>
             <a:ext cx="479618" cy="307777"/>
           </a:xfrm>
           <a:prstGeom prst="rect">
@@ -3671,19 +3663,15 @@
         </p:nvSpPr>
         <p:spPr>
           <a:xfrm>
-            <a:off x="411480" y="4383896"/>
+            <a:off x="411480" y="4881200"/>
             <a:ext cx="1800000" cy="311852"/>
           </a:xfrm>
           <a:prstGeom prst="rect">
             <a:avLst/>
           </a:prstGeom>
-          <a:solidFill>
-            <a:srgbClr val="FFC000"/>
-          </a:solidFill>
+          <a:noFill/>
           <a:ln>
-            <a:solidFill>
-              <a:srgbClr val="0053A5"/>
-            </a:solidFill>
+            <a:noFill/>
           </a:ln>
         </p:spPr>
         <p:txBody>
@@ -3692,7 +3680,6 @@
           </a:bodyPr>
           <a:lstStyle/>
           <a:p>
-            <a:pPr algn="ctr"/>
             <a:r>
               <a:rPr lang="en-US" sz="1400" dirty="0" smtClean="0">
                 <a:latin typeface="Arial Narrow" charset="0"/>
@@ -3709,39 +3696,165 @@
           </a:p>
         </p:txBody>
       </p:sp>
+      <p:sp>
+        <p:nvSpPr>
+          <p:cNvPr id="36" name="ZoneTexte 35"/>
+          <p:cNvSpPr txBox="1"/>
+          <p:nvPr/>
+        </p:nvSpPr>
+        <p:spPr>
+          <a:xfrm>
+            <a:off x="2529000" y="5136787"/>
+            <a:ext cx="1800000" cy="1384995"/>
+          </a:xfrm>
+          <a:prstGeom prst="rect">
+            <a:avLst/>
+          </a:prstGeom>
+          <a:noFill/>
+          <a:ln>
+            <a:noFill/>
+          </a:ln>
+        </p:spPr>
+        <p:txBody>
+          <a:bodyPr wrap="square" rtlCol="0">
+            <a:spAutoFit/>
+          </a:bodyPr>
+          <a:lstStyle/>
+          <a:p>
+            <a:endParaRPr lang="fr-FR" sz="1400" dirty="0" smtClean="0">
+              <a:latin typeface="Arial Narrow" charset="0"/>
+              <a:ea typeface="Arial Narrow" charset="0"/>
+              <a:cs typeface="Arial Narrow" charset="0"/>
+            </a:endParaRPr>
+          </a:p>
+          <a:p>
+            <a:endParaRPr lang="fr-FR" sz="1400" dirty="0" smtClean="0">
+              <a:latin typeface="Arial Narrow" charset="0"/>
+              <a:ea typeface="Arial Narrow" charset="0"/>
+              <a:cs typeface="Arial Narrow" charset="0"/>
+            </a:endParaRPr>
+          </a:p>
+          <a:p>
+            <a:r>
+              <a:rPr lang="fr-FR" sz="1400" dirty="0" smtClean="0">
+                <a:latin typeface="Arial Narrow" charset="0"/>
+                <a:ea typeface="Arial Narrow" charset="0"/>
+                <a:cs typeface="Arial Narrow" charset="0"/>
+              </a:rPr>
+              <a:t>57 312m</a:t>
+            </a:r>
+          </a:p>
+          <a:p>
+            <a:r>
+              <a:rPr lang="fr-FR" sz="1400" dirty="0" smtClean="0">
+                <a:latin typeface="Arial Narrow" charset="0"/>
+                <a:ea typeface="Arial Narrow" charset="0"/>
+                <a:cs typeface="Arial Narrow" charset="0"/>
+              </a:rPr>
+              <a:t>3:33:40 d’</a:t>
+            </a:r>
+            <a:r>
+              <a:rPr lang="fr-FR" sz="1400" dirty="0" err="1" smtClean="0">
+                <a:latin typeface="Arial Narrow" charset="0"/>
+                <a:ea typeface="Arial Narrow" charset="0"/>
+                <a:cs typeface="Arial Narrow" charset="0"/>
+              </a:rPr>
+              <a:t>arr</a:t>
+            </a:r>
+            <a:r>
+              <a:rPr lang="en-US" sz="1400" dirty="0" smtClean="0">
+                <a:latin typeface="Arial Narrow" charset="0"/>
+                <a:ea typeface="Arial Narrow" charset="0"/>
+                <a:cs typeface="Arial Narrow" charset="0"/>
+              </a:rPr>
+              <a:t>êt cumulé</a:t>
+            </a:r>
+          </a:p>
+          <a:p>
+            <a:r>
+              <a:rPr lang="en-US" sz="1400" dirty="0" smtClean="0">
+                <a:latin typeface="Arial Narrow" charset="0"/>
+                <a:ea typeface="Arial Narrow" charset="0"/>
+                <a:cs typeface="Arial Narrow" charset="0"/>
+              </a:rPr>
+              <a:t>2:25:23 d’arrêt prévu</a:t>
+            </a:r>
+          </a:p>
+          <a:p>
+            <a:r>
+              <a:rPr lang="en-US" sz="1400" dirty="0" smtClean="0">
+                <a:solidFill>
+                  <a:srgbClr val="C00000"/>
+                </a:solidFill>
+                <a:latin typeface="Arial Narrow" charset="0"/>
+                <a:ea typeface="Arial Narrow" charset="0"/>
+                <a:cs typeface="Arial Narrow" charset="0"/>
+              </a:rPr>
+              <a:t>1:08:17</a:t>
+            </a:r>
+            <a:r>
+              <a:rPr lang="en-US" sz="1400" dirty="0" smtClean="0">
+                <a:latin typeface="Arial Narrow" charset="0"/>
+                <a:ea typeface="Arial Narrow" charset="0"/>
+                <a:cs typeface="Arial Narrow" charset="0"/>
+              </a:rPr>
+              <a:t> </a:t>
+            </a:r>
+            <a:r>
+              <a:rPr lang="en-US" sz="1400" dirty="0" smtClean="0">
+                <a:solidFill>
+                  <a:srgbClr val="C00000"/>
+                </a:solidFill>
+                <a:latin typeface="Arial Narrow" charset="0"/>
+                <a:ea typeface="Arial Narrow" charset="0"/>
+                <a:cs typeface="Arial Narrow" charset="0"/>
+              </a:rPr>
+              <a:t>d’arrêt imprévu</a:t>
+            </a:r>
+            <a:endParaRPr lang="fr-FR" sz="1400" dirty="0">
+              <a:solidFill>
+                <a:srgbClr val="C00000"/>
+              </a:solidFill>
+              <a:latin typeface="Arial Narrow" charset="0"/>
+              <a:ea typeface="Arial Narrow" charset="0"/>
+              <a:cs typeface="Arial Narrow" charset="0"/>
+            </a:endParaRPr>
+          </a:p>
+        </p:txBody>
+      </p:sp>
       <p:grpSp>
         <p:nvGrpSpPr>
-          <p:cNvPr id="42" name="Grouper 41"/>
+          <p:cNvPr id="37" name="Grouper 36"/>
           <p:cNvGrpSpPr/>
           <p:nvPr/>
         </p:nvGrpSpPr>
         <p:grpSpPr>
           <a:xfrm>
-            <a:off x="2529000" y="4383896"/>
-            <a:ext cx="1800000" cy="1608498"/>
-            <a:chOff x="2580432" y="4351812"/>
-            <a:chExt cx="1800000" cy="1608498"/>
+            <a:off x="2671430" y="5308098"/>
+            <a:ext cx="1511620" cy="268022"/>
+            <a:chOff x="2898820" y="7430030"/>
+            <a:chExt cx="1800000" cy="312136"/>
           </a:xfrm>
         </p:grpSpPr>
         <p:sp>
           <p:nvSpPr>
-            <p:cNvPr id="36" name="ZoneTexte 35"/>
+            <p:cNvPr id="38" name="ZoneTexte 37"/>
             <p:cNvSpPr txBox="1"/>
             <p:nvPr/>
           </p:nvSpPr>
           <p:spPr>
             <a:xfrm>
-              <a:off x="2580432" y="4575315"/>
-              <a:ext cx="1800000" cy="1384995"/>
+              <a:off x="2898820" y="7430030"/>
+              <a:ext cx="1522133" cy="311852"/>
             </a:xfrm>
             <a:prstGeom prst="rect">
               <a:avLst/>
             </a:prstGeom>
-            <a:noFill/>
+            <a:solidFill>
+              <a:srgbClr val="00B050"/>
+            </a:solidFill>
             <a:ln>
-              <a:solidFill>
-                <a:srgbClr val="0053A5"/>
-              </a:solidFill>
+              <a:noFill/>
             </a:ln>
           </p:spPr>
           <p:txBody>
@@ -3750,247 +3863,33 @@
             </a:bodyPr>
             <a:lstStyle/>
             <a:p>
-              <a:endParaRPr lang="fr-FR" sz="1400" dirty="0" smtClean="0">
+              <a:pPr algn="ctr"/>
+              <a:endParaRPr lang="fr-FR" sz="1400" dirty="0">
                 <a:latin typeface="Arial Narrow" charset="0"/>
                 <a:ea typeface="Arial Narrow" charset="0"/>
                 <a:cs typeface="Arial Narrow" charset="0"/>
               </a:endParaRPr>
-            </a:p>
-            <a:p>
-              <a:endParaRPr lang="fr-FR" sz="1400" dirty="0" smtClean="0">
-                <a:latin typeface="Arial Narrow" charset="0"/>
-                <a:ea typeface="Arial Narrow" charset="0"/>
-                <a:cs typeface="Arial Narrow" charset="0"/>
-              </a:endParaRPr>
-            </a:p>
-            <a:p>
-              <a:r>
-                <a:rPr lang="fr-FR" sz="1400" dirty="0" smtClean="0">
-                  <a:latin typeface="Arial Narrow" charset="0"/>
-                  <a:ea typeface="Arial Narrow" charset="0"/>
-                  <a:cs typeface="Arial Narrow" charset="0"/>
-                </a:rPr>
-                <a:t>57 312m</a:t>
-              </a:r>
-            </a:p>
-            <a:p>
-              <a:r>
-                <a:rPr lang="fr-FR" sz="1400" dirty="0" smtClean="0">
-                  <a:latin typeface="Arial Narrow" charset="0"/>
-                  <a:ea typeface="Arial Narrow" charset="0"/>
-                  <a:cs typeface="Arial Narrow" charset="0"/>
-                </a:rPr>
-                <a:t>3:33:40 d’</a:t>
-              </a:r>
-              <a:r>
-                <a:rPr lang="fr-FR" sz="1400" dirty="0" err="1" smtClean="0">
-                  <a:latin typeface="Arial Narrow" charset="0"/>
-                  <a:ea typeface="Arial Narrow" charset="0"/>
-                  <a:cs typeface="Arial Narrow" charset="0"/>
-                </a:rPr>
-                <a:t>arr</a:t>
-              </a:r>
-              <a:r>
-                <a:rPr lang="en-US" sz="1400" dirty="0" smtClean="0">
-                  <a:latin typeface="Arial Narrow" charset="0"/>
-                  <a:ea typeface="Arial Narrow" charset="0"/>
-                  <a:cs typeface="Arial Narrow" charset="0"/>
-                </a:rPr>
-                <a:t>êt cumulé</a:t>
-              </a:r>
-            </a:p>
-            <a:p>
-              <a:r>
-                <a:rPr lang="en-US" sz="1400" dirty="0" smtClean="0">
-                  <a:latin typeface="Arial Narrow" charset="0"/>
-                  <a:ea typeface="Arial Narrow" charset="0"/>
-                  <a:cs typeface="Arial Narrow" charset="0"/>
-                </a:rPr>
-                <a:t>2:25:23 d’arrêt prévu</a:t>
-              </a:r>
-            </a:p>
-            <a:p>
-              <a:r>
-                <a:rPr lang="en-US" sz="1400" dirty="0" smtClean="0">
-                  <a:solidFill>
-                    <a:srgbClr val="C00000"/>
-                  </a:solidFill>
-                  <a:latin typeface="Arial Narrow" charset="0"/>
-                  <a:ea typeface="Arial Narrow" charset="0"/>
-                  <a:cs typeface="Arial Narrow" charset="0"/>
-                </a:rPr>
-                <a:t>1:08:17</a:t>
-              </a:r>
-              <a:r>
-                <a:rPr lang="en-US" sz="1400" dirty="0" smtClean="0">
-                  <a:latin typeface="Arial Narrow" charset="0"/>
-                  <a:ea typeface="Arial Narrow" charset="0"/>
-                  <a:cs typeface="Arial Narrow" charset="0"/>
-                </a:rPr>
-                <a:t> </a:t>
-              </a:r>
-              <a:r>
-                <a:rPr lang="en-US" sz="1400" dirty="0" smtClean="0">
-                  <a:solidFill>
-                    <a:srgbClr val="C00000"/>
-                  </a:solidFill>
-                  <a:latin typeface="Arial Narrow" charset="0"/>
-                  <a:ea typeface="Arial Narrow" charset="0"/>
-                  <a:cs typeface="Arial Narrow" charset="0"/>
-                </a:rPr>
-                <a:t>d’arrêt imprévu</a:t>
-              </a:r>
-              <a:endParaRPr lang="fr-FR" sz="1400" dirty="0">
-                <a:solidFill>
-                  <a:srgbClr val="C00000"/>
-                </a:solidFill>
-                <a:latin typeface="Arial Narrow" charset="0"/>
-                <a:ea typeface="Arial Narrow" charset="0"/>
-                <a:cs typeface="Arial Narrow" charset="0"/>
-              </a:endParaRPr>
-            </a:p>
-          </p:txBody>
-        </p:sp>
-        <p:grpSp>
-          <p:nvGrpSpPr>
-            <p:cNvPr id="37" name="Grouper 36"/>
-            <p:cNvGrpSpPr/>
-            <p:nvPr/>
-          </p:nvGrpSpPr>
-          <p:grpSpPr>
-            <a:xfrm>
-              <a:off x="2722862" y="4746626"/>
-              <a:ext cx="1511620" cy="268022"/>
-              <a:chOff x="2898820" y="7430030"/>
-              <a:chExt cx="1800000" cy="312136"/>
-            </a:xfrm>
-          </p:grpSpPr>
-          <p:sp>
-            <p:nvSpPr>
-              <p:cNvPr id="38" name="ZoneTexte 37"/>
-              <p:cNvSpPr txBox="1"/>
-              <p:nvPr/>
-            </p:nvSpPr>
-            <p:spPr>
-              <a:xfrm>
-                <a:off x="2898820" y="7430030"/>
-                <a:ext cx="1522133" cy="311852"/>
-              </a:xfrm>
-              <a:prstGeom prst="rect">
-                <a:avLst/>
-              </a:prstGeom>
-              <a:solidFill>
-                <a:srgbClr val="00B050"/>
-              </a:solidFill>
-              <a:ln>
-                <a:noFill/>
-              </a:ln>
-            </p:spPr>
-            <p:txBody>
-              <a:bodyPr wrap="square" rtlCol="0">
-                <a:spAutoFit/>
-              </a:bodyPr>
-              <a:lstStyle/>
-              <a:p>
-                <a:pPr algn="ctr"/>
-                <a:endParaRPr lang="fr-FR" sz="1400" dirty="0">
-                  <a:latin typeface="Arial Narrow" charset="0"/>
-                  <a:ea typeface="Arial Narrow" charset="0"/>
-                  <a:cs typeface="Arial Narrow" charset="0"/>
-                </a:endParaRPr>
-              </a:p>
-            </p:txBody>
-          </p:sp>
-          <p:sp>
-            <p:nvSpPr>
-              <p:cNvPr id="39" name="ZoneTexte 38"/>
-              <p:cNvSpPr txBox="1"/>
-              <p:nvPr/>
-            </p:nvSpPr>
-            <p:spPr>
-              <a:xfrm>
-                <a:off x="2898820" y="7430314"/>
-                <a:ext cx="1800000" cy="311852"/>
-              </a:xfrm>
-              <a:prstGeom prst="rect">
-                <a:avLst/>
-              </a:prstGeom>
-              <a:noFill/>
-              <a:ln>
-                <a:solidFill>
-                  <a:schemeClr val="tx1"/>
-                </a:solidFill>
-              </a:ln>
-            </p:spPr>
-            <p:txBody>
-              <a:bodyPr wrap="square" rtlCol="0">
-                <a:spAutoFit/>
-              </a:bodyPr>
-              <a:lstStyle/>
-              <a:p>
-                <a:pPr algn="ctr"/>
-                <a:endParaRPr lang="fr-FR" sz="1400" dirty="0">
-                  <a:latin typeface="Arial Narrow" charset="0"/>
-                  <a:ea typeface="Arial Narrow" charset="0"/>
-                  <a:cs typeface="Arial Narrow" charset="0"/>
-                </a:endParaRPr>
-              </a:p>
-            </p:txBody>
-          </p:sp>
-        </p:grpSp>
-        <p:sp>
-          <p:nvSpPr>
-            <p:cNvPr id="40" name="Rectangle 39"/>
-            <p:cNvSpPr/>
-            <p:nvPr/>
-          </p:nvSpPr>
-          <p:spPr>
-            <a:xfrm>
-              <a:off x="3557104" y="4725217"/>
-              <a:ext cx="479618" cy="307777"/>
-            </a:xfrm>
-            <a:prstGeom prst="rect">
-              <a:avLst/>
-            </a:prstGeom>
-          </p:spPr>
-          <p:txBody>
-            <a:bodyPr wrap="none">
-              <a:spAutoFit/>
-            </a:bodyPr>
-            <a:lstStyle/>
-            <a:p>
-              <a:r>
-                <a:rPr lang="fr-FR" sz="1400" dirty="0" smtClean="0">
-                  <a:latin typeface="Arial Narrow" charset="0"/>
-                  <a:ea typeface="Arial Narrow" charset="0"/>
-                  <a:cs typeface="Arial Narrow" charset="0"/>
-                </a:rPr>
-                <a:t>65%</a:t>
-              </a:r>
-              <a:endParaRPr lang="fr-FR" sz="1400" dirty="0"/>
             </a:p>
           </p:txBody>
         </p:sp>
         <p:sp>
           <p:nvSpPr>
-            <p:cNvPr id="41" name="ZoneTexte 40"/>
+            <p:cNvPr id="39" name="ZoneTexte 38"/>
             <p:cNvSpPr txBox="1"/>
             <p:nvPr/>
           </p:nvSpPr>
           <p:spPr>
             <a:xfrm>
-              <a:off x="2580432" y="4351812"/>
+              <a:off x="2898820" y="7430314"/>
               <a:ext cx="1800000" cy="311852"/>
             </a:xfrm>
             <a:prstGeom prst="rect">
               <a:avLst/>
             </a:prstGeom>
-            <a:solidFill>
-              <a:srgbClr val="FFC000"/>
-            </a:solidFill>
+            <a:noFill/>
             <a:ln>
               <a:solidFill>
-                <a:srgbClr val="0053A5"/>
+                <a:schemeClr val="tx1"/>
               </a:solidFill>
             </a:ln>
           </p:spPr>
@@ -4001,14 +3900,6 @@
             <a:lstStyle/>
             <a:p>
               <a:pPr algn="ctr"/>
-              <a:r>
-                <a:rPr lang="en-US" sz="1400" dirty="0" smtClean="0">
-                  <a:latin typeface="Arial Narrow" charset="0"/>
-                  <a:ea typeface="Arial Narrow" charset="0"/>
-                  <a:cs typeface="Arial Narrow" charset="0"/>
-                </a:rPr>
-                <a:t>Equipe du soir</a:t>
-              </a:r>
               <a:endParaRPr lang="fr-FR" sz="1400" dirty="0">
                 <a:latin typeface="Arial Narrow" charset="0"/>
                 <a:ea typeface="Arial Narrow" charset="0"/>
@@ -4020,14 +3911,444 @@
       </p:grpSp>
       <p:sp>
         <p:nvSpPr>
+          <p:cNvPr id="40" name="Rectangle 39"/>
+          <p:cNvSpPr/>
+          <p:nvPr/>
+        </p:nvSpPr>
+        <p:spPr>
+          <a:xfrm>
+            <a:off x="3505672" y="5286689"/>
+            <a:ext cx="479618" cy="307777"/>
+          </a:xfrm>
+          <a:prstGeom prst="rect">
+            <a:avLst/>
+          </a:prstGeom>
+        </p:spPr>
+        <p:txBody>
+          <a:bodyPr wrap="none">
+            <a:spAutoFit/>
+          </a:bodyPr>
+          <a:lstStyle/>
+          <a:p>
+            <a:r>
+              <a:rPr lang="fr-FR" sz="1400" dirty="0" smtClean="0">
+                <a:latin typeface="Arial Narrow" charset="0"/>
+                <a:ea typeface="Arial Narrow" charset="0"/>
+                <a:cs typeface="Arial Narrow" charset="0"/>
+              </a:rPr>
+              <a:t>65%</a:t>
+            </a:r>
+            <a:endParaRPr lang="fr-FR" sz="1400" dirty="0"/>
+          </a:p>
+        </p:txBody>
+      </p:sp>
+      <p:sp>
+        <p:nvSpPr>
+          <p:cNvPr id="41" name="ZoneTexte 40"/>
+          <p:cNvSpPr txBox="1"/>
+          <p:nvPr/>
+        </p:nvSpPr>
+        <p:spPr>
+          <a:xfrm>
+            <a:off x="2529000" y="4881200"/>
+            <a:ext cx="1800000" cy="311852"/>
+          </a:xfrm>
+          <a:prstGeom prst="rect">
+            <a:avLst/>
+          </a:prstGeom>
+          <a:noFill/>
+          <a:ln>
+            <a:noFill/>
+          </a:ln>
+        </p:spPr>
+        <p:txBody>
+          <a:bodyPr wrap="square" rtlCol="0">
+            <a:spAutoFit/>
+          </a:bodyPr>
+          <a:lstStyle/>
+          <a:p>
+            <a:r>
+              <a:rPr lang="en-US" sz="1400" dirty="0" smtClean="0">
+                <a:latin typeface="Arial Narrow" charset="0"/>
+                <a:ea typeface="Arial Narrow" charset="0"/>
+                <a:cs typeface="Arial Narrow" charset="0"/>
+              </a:rPr>
+              <a:t>Equipe du soir</a:t>
+            </a:r>
+            <a:endParaRPr lang="fr-FR" sz="1400" dirty="0">
+              <a:latin typeface="Arial Narrow" charset="0"/>
+              <a:ea typeface="Arial Narrow" charset="0"/>
+              <a:cs typeface="Arial Narrow" charset="0"/>
+            </a:endParaRPr>
+          </a:p>
+        </p:txBody>
+      </p:sp>
+      <p:sp>
+        <p:nvSpPr>
           <p:cNvPr id="44" name="ZoneTexte 43"/>
           <p:cNvSpPr txBox="1"/>
           <p:nvPr/>
         </p:nvSpPr>
         <p:spPr>
           <a:xfrm>
-            <a:off x="4646520" y="4607399"/>
+            <a:off x="4646520" y="5152829"/>
             <a:ext cx="1800000" cy="1384995"/>
+          </a:xfrm>
+          <a:prstGeom prst="rect">
+            <a:avLst/>
+          </a:prstGeom>
+          <a:noFill/>
+          <a:ln>
+            <a:noFill/>
+          </a:ln>
+        </p:spPr>
+        <p:txBody>
+          <a:bodyPr wrap="square" rtlCol="0">
+            <a:spAutoFit/>
+          </a:bodyPr>
+          <a:lstStyle/>
+          <a:p>
+            <a:endParaRPr lang="fr-FR" sz="1400" dirty="0" smtClean="0">
+              <a:latin typeface="Arial Narrow" charset="0"/>
+              <a:ea typeface="Arial Narrow" charset="0"/>
+              <a:cs typeface="Arial Narrow" charset="0"/>
+            </a:endParaRPr>
+          </a:p>
+          <a:p>
+            <a:endParaRPr lang="fr-FR" sz="1400" dirty="0" smtClean="0">
+              <a:latin typeface="Arial Narrow" charset="0"/>
+              <a:ea typeface="Arial Narrow" charset="0"/>
+              <a:cs typeface="Arial Narrow" charset="0"/>
+            </a:endParaRPr>
+          </a:p>
+          <a:p>
+            <a:r>
+              <a:rPr lang="fr-FR" sz="1400" dirty="0" smtClean="0">
+                <a:latin typeface="Arial Narrow" charset="0"/>
+                <a:ea typeface="Arial Narrow" charset="0"/>
+                <a:cs typeface="Arial Narrow" charset="0"/>
+              </a:rPr>
+              <a:t>57 312m</a:t>
+            </a:r>
+          </a:p>
+          <a:p>
+            <a:r>
+              <a:rPr lang="fr-FR" sz="1400" dirty="0" smtClean="0">
+                <a:latin typeface="Arial Narrow" charset="0"/>
+                <a:ea typeface="Arial Narrow" charset="0"/>
+                <a:cs typeface="Arial Narrow" charset="0"/>
+              </a:rPr>
+              <a:t>3:33:40 d’</a:t>
+            </a:r>
+            <a:r>
+              <a:rPr lang="fr-FR" sz="1400" dirty="0" err="1" smtClean="0">
+                <a:latin typeface="Arial Narrow" charset="0"/>
+                <a:ea typeface="Arial Narrow" charset="0"/>
+                <a:cs typeface="Arial Narrow" charset="0"/>
+              </a:rPr>
+              <a:t>arr</a:t>
+            </a:r>
+            <a:r>
+              <a:rPr lang="en-US" sz="1400" dirty="0" smtClean="0">
+                <a:latin typeface="Arial Narrow" charset="0"/>
+                <a:ea typeface="Arial Narrow" charset="0"/>
+                <a:cs typeface="Arial Narrow" charset="0"/>
+              </a:rPr>
+              <a:t>êt cumulé</a:t>
+            </a:r>
+          </a:p>
+          <a:p>
+            <a:r>
+              <a:rPr lang="en-US" sz="1400" dirty="0" smtClean="0">
+                <a:latin typeface="Arial Narrow" charset="0"/>
+                <a:ea typeface="Arial Narrow" charset="0"/>
+                <a:cs typeface="Arial Narrow" charset="0"/>
+              </a:rPr>
+              <a:t>2:25:23 d’arrêt prévu</a:t>
+            </a:r>
+          </a:p>
+          <a:p>
+            <a:r>
+              <a:rPr lang="en-US" sz="1400" dirty="0" smtClean="0">
+                <a:solidFill>
+                  <a:srgbClr val="C00000"/>
+                </a:solidFill>
+                <a:latin typeface="Arial Narrow" charset="0"/>
+                <a:ea typeface="Arial Narrow" charset="0"/>
+                <a:cs typeface="Arial Narrow" charset="0"/>
+              </a:rPr>
+              <a:t>1:08:17</a:t>
+            </a:r>
+            <a:r>
+              <a:rPr lang="en-US" sz="1400" dirty="0" smtClean="0">
+                <a:latin typeface="Arial Narrow" charset="0"/>
+                <a:ea typeface="Arial Narrow" charset="0"/>
+                <a:cs typeface="Arial Narrow" charset="0"/>
+              </a:rPr>
+              <a:t> </a:t>
+            </a:r>
+            <a:r>
+              <a:rPr lang="en-US" sz="1400" dirty="0" smtClean="0">
+                <a:solidFill>
+                  <a:srgbClr val="C00000"/>
+                </a:solidFill>
+                <a:latin typeface="Arial Narrow" charset="0"/>
+                <a:ea typeface="Arial Narrow" charset="0"/>
+                <a:cs typeface="Arial Narrow" charset="0"/>
+              </a:rPr>
+              <a:t>d’arrêt imprévu</a:t>
+            </a:r>
+            <a:endParaRPr lang="fr-FR" sz="1400" dirty="0">
+              <a:solidFill>
+                <a:srgbClr val="C00000"/>
+              </a:solidFill>
+              <a:latin typeface="Arial Narrow" charset="0"/>
+              <a:ea typeface="Arial Narrow" charset="0"/>
+              <a:cs typeface="Arial Narrow" charset="0"/>
+            </a:endParaRPr>
+          </a:p>
+        </p:txBody>
+      </p:sp>
+      <p:sp>
+        <p:nvSpPr>
+          <p:cNvPr id="48" name="ZoneTexte 47"/>
+          <p:cNvSpPr txBox="1"/>
+          <p:nvPr/>
+        </p:nvSpPr>
+        <p:spPr>
+          <a:xfrm>
+            <a:off x="4788949" y="5302728"/>
+            <a:ext cx="1091150" cy="288000"/>
+          </a:xfrm>
+          <a:prstGeom prst="rect">
+            <a:avLst/>
+          </a:prstGeom>
+          <a:solidFill>
+            <a:srgbClr val="00B050"/>
+          </a:solidFill>
+          <a:ln>
+            <a:noFill/>
+          </a:ln>
+        </p:spPr>
+        <p:txBody>
+          <a:bodyPr wrap="square" rtlCol="0">
+            <a:spAutoFit/>
+          </a:bodyPr>
+          <a:lstStyle/>
+          <a:p>
+            <a:pPr algn="ctr"/>
+            <a:endParaRPr lang="fr-FR" sz="1400" dirty="0">
+              <a:latin typeface="Arial Narrow" charset="0"/>
+              <a:ea typeface="Arial Narrow" charset="0"/>
+              <a:cs typeface="Arial Narrow" charset="0"/>
+            </a:endParaRPr>
+          </a:p>
+        </p:txBody>
+      </p:sp>
+      <p:sp>
+        <p:nvSpPr>
+          <p:cNvPr id="46" name="Rectangle 45"/>
+          <p:cNvSpPr/>
+          <p:nvPr/>
+        </p:nvSpPr>
+        <p:spPr>
+          <a:xfrm>
+            <a:off x="5191392" y="5302731"/>
+            <a:ext cx="479618" cy="307777"/>
+          </a:xfrm>
+          <a:prstGeom prst="rect">
+            <a:avLst/>
+          </a:prstGeom>
+        </p:spPr>
+        <p:txBody>
+          <a:bodyPr wrap="none">
+            <a:spAutoFit/>
+          </a:bodyPr>
+          <a:lstStyle/>
+          <a:p>
+            <a:r>
+              <a:rPr lang="fr-FR" sz="1400" dirty="0" smtClean="0">
+                <a:latin typeface="Arial Narrow" charset="0"/>
+                <a:ea typeface="Arial Narrow" charset="0"/>
+                <a:cs typeface="Arial Narrow" charset="0"/>
+              </a:rPr>
+              <a:t>53%</a:t>
+            </a:r>
+            <a:endParaRPr lang="fr-FR" sz="1400" dirty="0"/>
+          </a:p>
+        </p:txBody>
+      </p:sp>
+      <p:sp>
+        <p:nvSpPr>
+          <p:cNvPr id="47" name="ZoneTexte 46"/>
+          <p:cNvSpPr txBox="1"/>
+          <p:nvPr/>
+        </p:nvSpPr>
+        <p:spPr>
+          <a:xfrm>
+            <a:off x="4646520" y="4881200"/>
+            <a:ext cx="1800000" cy="311852"/>
+          </a:xfrm>
+          <a:prstGeom prst="rect">
+            <a:avLst/>
+          </a:prstGeom>
+          <a:noFill/>
+          <a:ln>
+            <a:noFill/>
+          </a:ln>
+        </p:spPr>
+        <p:txBody>
+          <a:bodyPr wrap="square" rtlCol="0">
+            <a:spAutoFit/>
+          </a:bodyPr>
+          <a:lstStyle/>
+          <a:p>
+            <a:r>
+              <a:rPr lang="en-US" sz="1400" dirty="0" smtClean="0">
+                <a:latin typeface="Arial Narrow" charset="0"/>
+                <a:ea typeface="Arial Narrow" charset="0"/>
+                <a:cs typeface="Arial Narrow" charset="0"/>
+              </a:rPr>
+              <a:t>Résultat cumulé</a:t>
+            </a:r>
+            <a:endParaRPr lang="fr-FR" sz="1400" dirty="0">
+              <a:latin typeface="Arial Narrow" charset="0"/>
+              <a:ea typeface="Arial Narrow" charset="0"/>
+              <a:cs typeface="Arial Narrow" charset="0"/>
+            </a:endParaRPr>
+          </a:p>
+        </p:txBody>
+      </p:sp>
+      <p:sp>
+        <p:nvSpPr>
+          <p:cNvPr id="50" name="ZoneTexte 49"/>
+          <p:cNvSpPr txBox="1"/>
+          <p:nvPr/>
+        </p:nvSpPr>
+        <p:spPr>
+          <a:xfrm>
+            <a:off x="4785327" y="5297753"/>
+            <a:ext cx="1511620" cy="288000"/>
+          </a:xfrm>
+          <a:prstGeom prst="rect">
+            <a:avLst/>
+          </a:prstGeom>
+          <a:noFill/>
+          <a:ln>
+            <a:solidFill>
+              <a:schemeClr val="tx1"/>
+            </a:solidFill>
+          </a:ln>
+        </p:spPr>
+        <p:txBody>
+          <a:bodyPr wrap="square" rtlCol="0">
+            <a:spAutoFit/>
+          </a:bodyPr>
+          <a:lstStyle/>
+          <a:p>
+            <a:pPr algn="ctr"/>
+            <a:endParaRPr lang="fr-FR" sz="1400" dirty="0">
+              <a:latin typeface="Arial Narrow" charset="0"/>
+              <a:ea typeface="Arial Narrow" charset="0"/>
+              <a:cs typeface="Arial Narrow" charset="0"/>
+            </a:endParaRPr>
+          </a:p>
+        </p:txBody>
+      </p:sp>
+      <p:sp>
+        <p:nvSpPr>
+          <p:cNvPr id="51" name="ZoneTexte 50"/>
+          <p:cNvSpPr txBox="1"/>
+          <p:nvPr/>
+        </p:nvSpPr>
+        <p:spPr>
+          <a:xfrm>
+            <a:off x="409720" y="7160365"/>
+            <a:ext cx="3095952" cy="307777"/>
+          </a:xfrm>
+          <a:prstGeom prst="rect">
+            <a:avLst/>
+          </a:prstGeom>
+          <a:noFill/>
+          <a:ln>
+            <a:noFill/>
+          </a:ln>
+        </p:spPr>
+        <p:txBody>
+          <a:bodyPr wrap="square" rtlCol="0">
+            <a:spAutoFit/>
+          </a:bodyPr>
+          <a:lstStyle/>
+          <a:p>
+            <a:pPr algn="ctr"/>
+            <a:r>
+              <a:rPr lang="en-US" sz="1400" dirty="0" smtClean="0">
+                <a:latin typeface="Arial Narrow" charset="0"/>
+                <a:ea typeface="Arial Narrow" charset="0"/>
+                <a:cs typeface="Arial Narrow" charset="0"/>
+              </a:rPr>
+              <a:t>Equipe du matin</a:t>
+            </a:r>
+            <a:endParaRPr lang="fr-FR" sz="1400" dirty="0">
+              <a:latin typeface="Arial Narrow" charset="0"/>
+              <a:ea typeface="Arial Narrow" charset="0"/>
+              <a:cs typeface="Arial Narrow" charset="0"/>
+            </a:endParaRPr>
+          </a:p>
+        </p:txBody>
+      </p:sp>
+      <p:sp>
+        <p:nvSpPr>
+          <p:cNvPr id="52" name="ZoneTexte 51"/>
+          <p:cNvSpPr txBox="1"/>
+          <p:nvPr/>
+        </p:nvSpPr>
+        <p:spPr>
+          <a:xfrm>
+            <a:off x="3505672" y="7160365"/>
+            <a:ext cx="2940848" cy="307776"/>
+          </a:xfrm>
+          <a:prstGeom prst="rect">
+            <a:avLst/>
+          </a:prstGeom>
+          <a:noFill/>
+          <a:ln>
+            <a:noFill/>
+          </a:ln>
+        </p:spPr>
+        <p:txBody>
+          <a:bodyPr wrap="square" rtlCol="0">
+            <a:spAutoFit/>
+          </a:bodyPr>
+          <a:lstStyle/>
+          <a:p>
+            <a:pPr algn="ctr"/>
+            <a:r>
+              <a:rPr lang="en-US" sz="1400" dirty="0" smtClean="0">
+                <a:latin typeface="Arial Narrow" charset="0"/>
+                <a:ea typeface="Arial Narrow" charset="0"/>
+                <a:cs typeface="Arial Narrow" charset="0"/>
+              </a:rPr>
+              <a:t>Equipe du soir</a:t>
+            </a:r>
+            <a:endParaRPr lang="fr-FR" sz="1400" dirty="0">
+              <a:latin typeface="Arial Narrow" charset="0"/>
+              <a:ea typeface="Arial Narrow" charset="0"/>
+              <a:cs typeface="Arial Narrow" charset="0"/>
+            </a:endParaRPr>
+          </a:p>
+        </p:txBody>
+      </p:sp>
+      <p:sp>
+        <p:nvSpPr>
+          <p:cNvPr id="32" name="ZoneTexte 31"/>
+          <p:cNvSpPr txBox="1"/>
+          <p:nvPr/>
+        </p:nvSpPr>
+        <p:spPr>
+          <a:xfrm>
+            <a:off x="95221" y="578564"/>
+            <a:ext cx="6691220" cy="338554"/>
           </a:xfrm>
           <a:prstGeom prst="rect">
             <a:avLst/>
@@ -4045,68 +4366,81 @@
           </a:bodyPr>
           <a:lstStyle/>
           <a:p>
-            <a:endParaRPr lang="fr-FR" sz="1400" dirty="0" smtClean="0">
-              <a:latin typeface="Arial Narrow" charset="0"/>
-              <a:ea typeface="Arial Narrow" charset="0"/>
-              <a:cs typeface="Arial Narrow" charset="0"/>
-            </a:endParaRPr>
-          </a:p>
-          <a:p>
-            <a:endParaRPr lang="fr-FR" sz="1400" dirty="0" smtClean="0">
-              <a:latin typeface="Arial Narrow" charset="0"/>
-              <a:ea typeface="Arial Narrow" charset="0"/>
-              <a:cs typeface="Arial Narrow" charset="0"/>
-            </a:endParaRPr>
-          </a:p>
-          <a:p>
-            <a:r>
-              <a:rPr lang="fr-FR" sz="1400" dirty="0" smtClean="0">
+            <a:r>
+              <a:rPr lang="en-US" sz="1600" b="1" dirty="0" smtClean="0">
                 <a:latin typeface="Arial Narrow" charset="0"/>
                 <a:ea typeface="Arial Narrow" charset="0"/>
                 <a:cs typeface="Arial Narrow" charset="0"/>
               </a:rPr>
-              <a:t>57 312m</a:t>
-            </a:r>
-          </a:p>
-          <a:p>
-            <a:r>
-              <a:rPr lang="fr-FR" sz="1400" dirty="0" smtClean="0">
+              <a:t>13/12/2107 </a:t>
+            </a:r>
+            <a:r>
+              <a:rPr lang="en-US" sz="1600" dirty="0">
                 <a:latin typeface="Arial Narrow" charset="0"/>
                 <a:ea typeface="Arial Narrow" charset="0"/>
                 <a:cs typeface="Arial Narrow" charset="0"/>
               </a:rPr>
-              <a:t>3:33:40 d’</a:t>
-            </a:r>
-            <a:r>
-              <a:rPr lang="fr-FR" sz="1400" dirty="0" err="1" smtClean="0">
+              <a:t>		</a:t>
+            </a:r>
+            <a:r>
+              <a:rPr lang="en-US" sz="1600" b="1" dirty="0" smtClean="0">
+                <a:solidFill>
+                  <a:srgbClr val="00B050"/>
+                </a:solidFill>
                 <a:latin typeface="Arial Narrow" charset="0"/>
                 <a:ea typeface="Arial Narrow" charset="0"/>
                 <a:cs typeface="Arial Narrow" charset="0"/>
               </a:rPr>
-              <a:t>arr</a:t>
-            </a:r>
-            <a:r>
-              <a:rPr lang="en-US" sz="1400" dirty="0" smtClean="0">
+              <a:t>53</a:t>
+            </a:r>
+            <a:r>
+              <a:rPr lang="en-US" sz="1600" b="1" dirty="0">
+                <a:solidFill>
+                  <a:srgbClr val="00B050"/>
+                </a:solidFill>
                 <a:latin typeface="Arial Narrow" charset="0"/>
                 <a:ea typeface="Arial Narrow" charset="0"/>
                 <a:cs typeface="Arial Narrow" charset="0"/>
               </a:rPr>
-              <a:t>êt cumulé</a:t>
-            </a:r>
-          </a:p>
-          <a:p>
-            <a:r>
-              <a:rPr lang="en-US" sz="1400" dirty="0" smtClean="0">
+              <a:t>% </a:t>
+            </a:r>
+            <a:r>
+              <a:rPr lang="en-US" sz="1600" b="1" dirty="0" smtClean="0">
+                <a:solidFill>
+                  <a:srgbClr val="00B050"/>
+                </a:solidFill>
                 <a:latin typeface="Arial Narrow" charset="0"/>
                 <a:ea typeface="Arial Narrow" charset="0"/>
                 <a:cs typeface="Arial Narrow" charset="0"/>
               </a:rPr>
-              <a:t>2:25:23 d’arrêt prévu</a:t>
-            </a:r>
-          </a:p>
-          <a:p>
-            <a:r>
-              <a:rPr lang="en-US" sz="1400" dirty="0" smtClean="0">
+              <a:t>                </a:t>
+            </a:r>
+            <a:r>
+              <a:rPr lang="en-US" sz="1600" b="1" dirty="0" smtClean="0">
+                <a:latin typeface="Arial Narrow" charset="0"/>
+                <a:ea typeface="Arial Narrow" charset="0"/>
+                <a:cs typeface="Arial Narrow" charset="0"/>
+              </a:rPr>
+              <a:t>57 000m	                </a:t>
+            </a:r>
+            <a:r>
+              <a:rPr lang="en-US" sz="1600" dirty="0">
+                <a:latin typeface="Arial Narrow" charset="0"/>
+                <a:ea typeface="Arial Narrow" charset="0"/>
+                <a:cs typeface="Arial Narrow" charset="0"/>
+              </a:rPr>
+              <a:t>	</a:t>
+            </a:r>
+            <a:r>
+              <a:rPr lang="en-US" sz="1600" dirty="0" smtClean="0">
+                <a:latin typeface="Arial Narrow" charset="0"/>
+                <a:ea typeface="Arial Narrow" charset="0"/>
+                <a:cs typeface="Arial Narrow" charset="0"/>
+              </a:rPr>
+              <a:t>   </a:t>
+            </a:r>
+            <a:r>
+              <a:rPr lang="en-US" sz="1600" b="1" dirty="0" smtClean="0">
                 <a:solidFill>
                   <a:srgbClr val="C00000"/>
                 </a:solidFill>
@@ -4117,7 +4451,7 @@
               <a:t>1:08:17</a:t>
             </a:r>
             <a:r>
-              <a:rPr lang="en-US" sz="1400" dirty="0" smtClean="0">
+              <a:rPr lang="en-US" sz="1600" dirty="0" smtClean="0">
                 <a:latin typeface="Arial Narrow" charset="0"/>
                 <a:ea typeface="Arial Narrow" charset="0"/>
                 <a:cs typeface="Arial Narrow" charset="0"/>
@@ -4125,7 +4459,7 @@
               <a:t> </a:t>
             </a:r>
             <a:r>
-              <a:rPr lang="en-US" sz="1400" dirty="0" smtClean="0">
+              <a:rPr lang="en-US" sz="1600" dirty="0">
                 <a:solidFill>
                   <a:srgbClr val="C00000"/>
                 </a:solidFill>
@@ -4133,9 +4467,20 @@
                 <a:ea typeface="Arial Narrow" charset="0"/>
                 <a:cs typeface="Arial Narrow" charset="0"/>
               </a:rPr>
-              <a:t>d’arrêt imprévu</a:t>
-            </a:r>
-            <a:endParaRPr lang="fr-FR" sz="1400" dirty="0">
+              <a:t>d’arrêt </a:t>
+            </a:r>
+            <a:r>
+              <a:rPr lang="en-US" sz="1600" dirty="0" smtClean="0">
+                <a:solidFill>
+                  <a:srgbClr val="C00000"/>
+                </a:solidFill>
+                <a:latin typeface="Arial Narrow" charset="0"/>
+                <a:ea typeface="Arial Narrow" charset="0"/>
+                <a:cs typeface="Arial Narrow" charset="0"/>
+              </a:rPr>
+              <a:t>imprévu</a:t>
+            </a:r>
+            <a:endParaRPr lang="fr-FR" sz="1600" dirty="0">
               <a:solidFill>
                 <a:srgbClr val="C00000"/>
               </a:solidFill>
@@ -4146,249 +4491,331 @@
           </a:p>
         </p:txBody>
       </p:sp>
-      <p:sp>
-        <p:nvSpPr>
-          <p:cNvPr id="48" name="ZoneTexte 47"/>
-          <p:cNvSpPr txBox="1"/>
+      <p:cxnSp>
+        <p:nvCxnSpPr>
+          <p:cNvPr id="3" name="Connecteur droit 2"/>
+          <p:cNvCxnSpPr/>
           <p:nvPr/>
-        </p:nvSpPr>
-        <p:spPr>
-          <a:xfrm>
-            <a:off x="4788949" y="4757298"/>
-            <a:ext cx="1091150" cy="288000"/>
-          </a:xfrm>
-          <a:prstGeom prst="rect">
+        </p:nvCxnSpPr>
+        <p:spPr>
+          <a:xfrm>
+            <a:off x="409720" y="5177010"/>
+            <a:ext cx="1801760" cy="0"/>
+          </a:xfrm>
+          <a:prstGeom prst="line">
             <a:avLst/>
           </a:prstGeom>
-          <a:solidFill>
-            <a:srgbClr val="00B050"/>
-          </a:solidFill>
-          <a:ln>
-            <a:noFill/>
-          </a:ln>
-        </p:spPr>
-        <p:txBody>
-          <a:bodyPr wrap="square" rtlCol="0">
-            <a:spAutoFit/>
-          </a:bodyPr>
-          <a:lstStyle/>
-          <a:p>
-            <a:pPr algn="ctr"/>
-            <a:endParaRPr lang="fr-FR" sz="1400" dirty="0">
-              <a:latin typeface="Arial Narrow" charset="0"/>
-              <a:ea typeface="Arial Narrow" charset="0"/>
-              <a:cs typeface="Arial Narrow" charset="0"/>
-            </a:endParaRPr>
-          </a:p>
-        </p:txBody>
-      </p:sp>
-      <p:sp>
-        <p:nvSpPr>
-          <p:cNvPr id="46" name="Rectangle 45"/>
-          <p:cNvSpPr/>
-          <p:nvPr/>
-        </p:nvSpPr>
-        <p:spPr>
-          <a:xfrm>
-            <a:off x="5191392" y="4757301"/>
-            <a:ext cx="479618" cy="307777"/>
-          </a:xfrm>
-          <a:prstGeom prst="rect">
-            <a:avLst/>
-          </a:prstGeom>
-        </p:spPr>
-        <p:txBody>
-          <a:bodyPr wrap="none">
-            <a:spAutoFit/>
-          </a:bodyPr>
-          <a:lstStyle/>
-          <a:p>
-            <a:r>
-              <a:rPr lang="fr-FR" sz="1400" dirty="0" smtClean="0">
-                <a:latin typeface="Arial Narrow" charset="0"/>
-                <a:ea typeface="Arial Narrow" charset="0"/>
-                <a:cs typeface="Arial Narrow" charset="0"/>
-              </a:rPr>
-              <a:t>53%</a:t>
-            </a:r>
-            <a:endParaRPr lang="fr-FR" sz="1400" dirty="0"/>
-          </a:p>
-        </p:txBody>
-      </p:sp>
-      <p:sp>
-        <p:nvSpPr>
-          <p:cNvPr id="47" name="ZoneTexte 46"/>
-          <p:cNvSpPr txBox="1"/>
-          <p:nvPr/>
-        </p:nvSpPr>
-        <p:spPr>
-          <a:xfrm>
-            <a:off x="4646520" y="4383896"/>
-            <a:ext cx="1800000" cy="311852"/>
-          </a:xfrm>
-          <a:prstGeom prst="rect">
-            <a:avLst/>
-          </a:prstGeom>
-          <a:solidFill>
-            <a:srgbClr val="FFC000"/>
-          </a:solidFill>
-          <a:ln>
+          <a:ln w="28575">
             <a:solidFill>
               <a:srgbClr val="0053A5"/>
             </a:solidFill>
           </a:ln>
         </p:spPr>
-        <p:txBody>
-          <a:bodyPr wrap="square" rtlCol="0">
-            <a:spAutoFit/>
-          </a:bodyPr>
-          <a:lstStyle/>
-          <a:p>
-            <a:pPr algn="ctr"/>
-            <a:r>
-              <a:rPr lang="en-US" sz="1400" dirty="0" smtClean="0">
-                <a:latin typeface="Arial Narrow" charset="0"/>
-                <a:ea typeface="Arial Narrow" charset="0"/>
-                <a:cs typeface="Arial Narrow" charset="0"/>
-              </a:rPr>
-              <a:t>Résultat cumulé</a:t>
-            </a:r>
-            <a:endParaRPr lang="fr-FR" sz="1400" dirty="0">
-              <a:latin typeface="Arial Narrow" charset="0"/>
-              <a:ea typeface="Arial Narrow" charset="0"/>
-              <a:cs typeface="Arial Narrow" charset="0"/>
-            </a:endParaRPr>
-          </a:p>
-        </p:txBody>
-      </p:sp>
-      <p:sp>
-        <p:nvSpPr>
-          <p:cNvPr id="50" name="ZoneTexte 49"/>
-          <p:cNvSpPr txBox="1"/>
+        <p:style>
+          <a:lnRef idx="1">
+            <a:schemeClr val="accent1"/>
+          </a:lnRef>
+          <a:fillRef idx="0">
+            <a:schemeClr val="accent1"/>
+          </a:fillRef>
+          <a:effectRef idx="0">
+            <a:schemeClr val="accent1"/>
+          </a:effectRef>
+          <a:fontRef idx="minor">
+            <a:schemeClr val="tx1"/>
+          </a:fontRef>
+        </p:style>
+      </p:cxnSp>
+      <p:cxnSp>
+        <p:nvCxnSpPr>
+          <p:cNvPr id="34" name="Connecteur droit 33"/>
+          <p:cNvCxnSpPr/>
           <p:nvPr/>
-        </p:nvSpPr>
-        <p:spPr>
-          <a:xfrm>
-            <a:off x="4785327" y="4752323"/>
-            <a:ext cx="1511620" cy="288000"/>
-          </a:xfrm>
-          <a:prstGeom prst="rect">
+        </p:nvCxnSpPr>
+        <p:spPr>
+          <a:xfrm>
+            <a:off x="2529000" y="5193052"/>
+            <a:ext cx="1800000" cy="0"/>
+          </a:xfrm>
+          <a:prstGeom prst="line">
             <a:avLst/>
           </a:prstGeom>
-          <a:noFill/>
-          <a:ln>
-            <a:solidFill>
-              <a:schemeClr val="tx1"/>
-            </a:solidFill>
-          </a:ln>
-        </p:spPr>
-        <p:txBody>
-          <a:bodyPr wrap="square" rtlCol="0">
-            <a:spAutoFit/>
-          </a:bodyPr>
-          <a:lstStyle/>
-          <a:p>
-            <a:pPr algn="ctr"/>
-            <a:endParaRPr lang="fr-FR" sz="1400" dirty="0">
-              <a:latin typeface="Arial Narrow" charset="0"/>
-              <a:ea typeface="Arial Narrow" charset="0"/>
-              <a:cs typeface="Arial Narrow" charset="0"/>
-            </a:endParaRPr>
-          </a:p>
-        </p:txBody>
-      </p:sp>
-      <p:sp>
-        <p:nvSpPr>
-          <p:cNvPr id="51" name="ZoneTexte 50"/>
-          <p:cNvSpPr txBox="1"/>
-          <p:nvPr/>
-        </p:nvSpPr>
-        <p:spPr>
-          <a:xfrm>
-            <a:off x="409720" y="6630977"/>
-            <a:ext cx="3095952" cy="307777"/>
-          </a:xfrm>
-          <a:prstGeom prst="rect">
-            <a:avLst/>
-          </a:prstGeom>
-          <a:solidFill>
-            <a:srgbClr val="FFC000"/>
-          </a:solidFill>
-          <a:ln>
+          <a:ln w="28575">
             <a:solidFill>
               <a:srgbClr val="0053A5"/>
             </a:solidFill>
           </a:ln>
         </p:spPr>
-        <p:txBody>
-          <a:bodyPr wrap="square" rtlCol="0">
-            <a:spAutoFit/>
-          </a:bodyPr>
-          <a:lstStyle/>
-          <a:p>
-            <a:pPr algn="ctr"/>
-            <a:r>
-              <a:rPr lang="en-US" sz="1400" dirty="0" smtClean="0">
-                <a:latin typeface="Arial Narrow" charset="0"/>
-                <a:ea typeface="Arial Narrow" charset="0"/>
-                <a:cs typeface="Arial Narrow" charset="0"/>
-              </a:rPr>
-              <a:t>Equipe du matin</a:t>
-            </a:r>
-            <a:endParaRPr lang="fr-FR" sz="1400" dirty="0">
-              <a:latin typeface="Arial Narrow" charset="0"/>
-              <a:ea typeface="Arial Narrow" charset="0"/>
-              <a:cs typeface="Arial Narrow" charset="0"/>
-            </a:endParaRPr>
-          </a:p>
-        </p:txBody>
-      </p:sp>
-      <p:sp>
-        <p:nvSpPr>
-          <p:cNvPr id="52" name="ZoneTexte 51"/>
-          <p:cNvSpPr txBox="1"/>
+        <p:style>
+          <a:lnRef idx="1">
+            <a:schemeClr val="accent1"/>
+          </a:lnRef>
+          <a:fillRef idx="0">
+            <a:schemeClr val="accent1"/>
+          </a:fillRef>
+          <a:effectRef idx="0">
+            <a:schemeClr val="accent1"/>
+          </a:effectRef>
+          <a:fontRef idx="minor">
+            <a:schemeClr val="tx1"/>
+          </a:fontRef>
+        </p:style>
+      </p:cxnSp>
+      <p:cxnSp>
+        <p:nvCxnSpPr>
+          <p:cNvPr id="35" name="Connecteur droit 34"/>
+          <p:cNvCxnSpPr/>
           <p:nvPr/>
-        </p:nvSpPr>
-        <p:spPr>
-          <a:xfrm>
-            <a:off x="3505672" y="6630977"/>
-            <a:ext cx="2940848" cy="307776"/>
-          </a:xfrm>
-          <a:prstGeom prst="rect">
+        </p:nvCxnSpPr>
+        <p:spPr>
+          <a:xfrm>
+            <a:off x="4688754" y="5196483"/>
+            <a:ext cx="1757766" cy="0"/>
+          </a:xfrm>
+          <a:prstGeom prst="line">
             <a:avLst/>
           </a:prstGeom>
-          <a:solidFill>
-            <a:srgbClr val="FFC000"/>
-          </a:solidFill>
-          <a:ln>
+          <a:ln w="28575">
             <a:solidFill>
               <a:srgbClr val="0053A5"/>
             </a:solidFill>
           </a:ln>
         </p:spPr>
-        <p:txBody>
-          <a:bodyPr wrap="square" rtlCol="0">
-            <a:spAutoFit/>
-          </a:bodyPr>
-          <a:lstStyle/>
-          <a:p>
-            <a:pPr algn="ctr"/>
-            <a:r>
-              <a:rPr lang="en-US" sz="1400" dirty="0" smtClean="0">
-                <a:latin typeface="Arial Narrow" charset="0"/>
-                <a:ea typeface="Arial Narrow" charset="0"/>
-                <a:cs typeface="Arial Narrow" charset="0"/>
-              </a:rPr>
-              <a:t>Equipe du soir</a:t>
-            </a:r>
-            <a:endParaRPr lang="fr-FR" sz="1400" dirty="0">
-              <a:latin typeface="Arial Narrow" charset="0"/>
-              <a:ea typeface="Arial Narrow" charset="0"/>
-              <a:cs typeface="Arial Narrow" charset="0"/>
-            </a:endParaRPr>
-          </a:p>
-        </p:txBody>
-      </p:sp>
+        <p:style>
+          <a:lnRef idx="1">
+            <a:schemeClr val="accent1"/>
+          </a:lnRef>
+          <a:fillRef idx="0">
+            <a:schemeClr val="accent1"/>
+          </a:fillRef>
+          <a:effectRef idx="0">
+            <a:schemeClr val="accent1"/>
+          </a:effectRef>
+          <a:fontRef idx="minor">
+            <a:schemeClr val="tx1"/>
+          </a:fontRef>
+        </p:style>
+      </p:cxnSp>
+      <p:cxnSp>
+        <p:nvCxnSpPr>
+          <p:cNvPr id="43" name="Connecteur droit 42"/>
+          <p:cNvCxnSpPr/>
+          <p:nvPr/>
+        </p:nvCxnSpPr>
+        <p:spPr>
+          <a:xfrm flipV="1">
+            <a:off x="408517" y="5633490"/>
+            <a:ext cx="0" cy="852532"/>
+          </a:xfrm>
+          <a:prstGeom prst="line">
+            <a:avLst/>
+          </a:prstGeom>
+          <a:ln w="12700">
+            <a:solidFill>
+              <a:schemeClr val="bg1">
+                <a:lumMod val="50000"/>
+              </a:schemeClr>
+            </a:solidFill>
+          </a:ln>
+        </p:spPr>
+        <p:style>
+          <a:lnRef idx="1">
+            <a:schemeClr val="accent1"/>
+          </a:lnRef>
+          <a:fillRef idx="0">
+            <a:schemeClr val="accent1"/>
+          </a:fillRef>
+          <a:effectRef idx="0">
+            <a:schemeClr val="accent1"/>
+          </a:effectRef>
+          <a:fontRef idx="minor">
+            <a:schemeClr val="tx1"/>
+          </a:fontRef>
+        </p:style>
+      </p:cxnSp>
+      <p:cxnSp>
+        <p:nvCxnSpPr>
+          <p:cNvPr id="45" name="Connecteur droit 44"/>
+          <p:cNvCxnSpPr/>
+          <p:nvPr/>
+        </p:nvCxnSpPr>
+        <p:spPr>
+          <a:xfrm flipV="1">
+            <a:off x="2529000" y="5633490"/>
+            <a:ext cx="0" cy="852532"/>
+          </a:xfrm>
+          <a:prstGeom prst="line">
+            <a:avLst/>
+          </a:prstGeom>
+          <a:ln w="12700">
+            <a:solidFill>
+              <a:schemeClr val="bg1">
+                <a:lumMod val="50000"/>
+              </a:schemeClr>
+            </a:solidFill>
+          </a:ln>
+        </p:spPr>
+        <p:style>
+          <a:lnRef idx="1">
+            <a:schemeClr val="accent1"/>
+          </a:lnRef>
+          <a:fillRef idx="0">
+            <a:schemeClr val="accent1"/>
+          </a:fillRef>
+          <a:effectRef idx="0">
+            <a:schemeClr val="accent1"/>
+          </a:effectRef>
+          <a:fontRef idx="minor">
+            <a:schemeClr val="tx1"/>
+          </a:fontRef>
+        </p:style>
+      </p:cxnSp>
+      <p:cxnSp>
+        <p:nvCxnSpPr>
+          <p:cNvPr id="49" name="Connecteur droit 48"/>
+          <p:cNvCxnSpPr/>
+          <p:nvPr/>
+        </p:nvCxnSpPr>
+        <p:spPr>
+          <a:xfrm flipV="1">
+            <a:off x="4638040" y="5610508"/>
+            <a:ext cx="0" cy="852532"/>
+          </a:xfrm>
+          <a:prstGeom prst="line">
+            <a:avLst/>
+          </a:prstGeom>
+          <a:ln w="12700">
+            <a:solidFill>
+              <a:schemeClr val="bg1">
+                <a:lumMod val="50000"/>
+              </a:schemeClr>
+            </a:solidFill>
+          </a:ln>
+        </p:spPr>
+        <p:style>
+          <a:lnRef idx="1">
+            <a:schemeClr val="accent1"/>
+          </a:lnRef>
+          <a:fillRef idx="0">
+            <a:schemeClr val="accent1"/>
+          </a:fillRef>
+          <a:effectRef idx="0">
+            <a:schemeClr val="accent1"/>
+          </a:effectRef>
+          <a:fontRef idx="minor">
+            <a:schemeClr val="tx1"/>
+          </a:fontRef>
+        </p:style>
+      </p:cxnSp>
+      <p:cxnSp>
+        <p:nvCxnSpPr>
+          <p:cNvPr id="53" name="Connecteur droit 52"/>
+          <p:cNvCxnSpPr/>
+          <p:nvPr/>
+        </p:nvCxnSpPr>
+        <p:spPr>
+          <a:xfrm>
+            <a:off x="770021" y="7468141"/>
+            <a:ext cx="2245895" cy="0"/>
+          </a:xfrm>
+          <a:prstGeom prst="line">
+            <a:avLst/>
+          </a:prstGeom>
+          <a:ln w="28575">
+            <a:solidFill>
+              <a:srgbClr val="0053A5"/>
+            </a:solidFill>
+          </a:ln>
+        </p:spPr>
+        <p:style>
+          <a:lnRef idx="1">
+            <a:schemeClr val="accent1"/>
+          </a:lnRef>
+          <a:fillRef idx="0">
+            <a:schemeClr val="accent1"/>
+          </a:fillRef>
+          <a:effectRef idx="0">
+            <a:schemeClr val="accent1"/>
+          </a:effectRef>
+          <a:fontRef idx="minor">
+            <a:schemeClr val="tx1"/>
+          </a:fontRef>
+        </p:style>
+      </p:cxnSp>
+      <p:cxnSp>
+        <p:nvCxnSpPr>
+          <p:cNvPr id="54" name="Connecteur droit 53"/>
+          <p:cNvCxnSpPr/>
+          <p:nvPr/>
+        </p:nvCxnSpPr>
+        <p:spPr>
+          <a:xfrm>
+            <a:off x="3949700" y="7468141"/>
+            <a:ext cx="2098174" cy="0"/>
+          </a:xfrm>
+          <a:prstGeom prst="line">
+            <a:avLst/>
+          </a:prstGeom>
+          <a:ln w="28575">
+            <a:solidFill>
+              <a:srgbClr val="0053A5"/>
+            </a:solidFill>
+          </a:ln>
+        </p:spPr>
+        <p:style>
+          <a:lnRef idx="1">
+            <a:schemeClr val="accent1"/>
+          </a:lnRef>
+          <a:fillRef idx="0">
+            <a:schemeClr val="accent1"/>
+          </a:fillRef>
+          <a:effectRef idx="0">
+            <a:schemeClr val="accent1"/>
+          </a:effectRef>
+          <a:fontRef idx="minor">
+            <a:schemeClr val="tx1"/>
+          </a:fontRef>
+        </p:style>
+      </p:cxnSp>
+      <p:cxnSp>
+        <p:nvCxnSpPr>
+          <p:cNvPr id="57" name="Connecteur droit 56"/>
+          <p:cNvCxnSpPr>
+            <a:stCxn id="6" idx="0"/>
+          </p:cNvCxnSpPr>
+          <p:nvPr/>
+        </p:nvCxnSpPr>
+        <p:spPr>
+          <a:xfrm flipH="1" flipV="1">
+            <a:off x="3427240" y="7194478"/>
+            <a:ext cx="1760" cy="2040962"/>
+          </a:xfrm>
+          <a:prstGeom prst="line">
+            <a:avLst/>
+          </a:prstGeom>
+          <a:ln w="12700">
+            <a:solidFill>
+              <a:schemeClr val="bg1">
+                <a:lumMod val="50000"/>
+              </a:schemeClr>
+            </a:solidFill>
+          </a:ln>
+        </p:spPr>
+        <p:style>
+          <a:lnRef idx="1">
+            <a:schemeClr val="accent1"/>
+          </a:lnRef>
+          <a:fillRef idx="0">
+            <a:schemeClr val="accent1"/>
+          </a:fillRef>
+          <a:effectRef idx="0">
+            <a:schemeClr val="accent1"/>
+          </a:effectRef>
+          <a:fontRef idx="minor">
+            <a:schemeClr val="tx1"/>
+          </a:fontRef>
+        </p:style>
+      </p:cxnSp>
     </p:spTree>
     <p:extLst>
       <p:ext uri="{BB962C8B-B14F-4D97-AF65-F5344CB8AC3E}">

--- a/assets/original/model_rapport.pptx
+++ b/assets/original/model_rapport.pptx
@@ -8,7 +8,7 @@
     <p:sldId id="256" r:id="rId2"/>
   </p:sldIdLst>
   <p:sldSz cx="6858000" cy="9906000" type="A4"/>
-  <p:notesSz cx="6858000" cy="9144000"/>
+  <p:notesSz cx="6797675" cy="9874250"/>
   <p:defaultTextStyle>
     <a:defPPr>
       <a:defRPr lang="fr-FR"/>
@@ -106,7 +106,7 @@
   </p:defaultTextStyle>
   <p:extLst>
     <p:ext uri="{EFAFB233-063F-42B5-8137-9DF3F51BA10A}">
-      <p15:sldGuideLst xmlns:p15="http://schemas.microsoft.com/office/powerpoint/2012/main"/>
+      <p15:sldGuideLst xmlns:p15="http://schemas.microsoft.com/office/powerpoint/2012/main" xmlns=""/>
     </p:ext>
   </p:extLst>
 </p:presentation>
@@ -243,7 +243,7 @@
           <a:p>
             <a:fld id="{A589C229-A4A4-9C4A-BCA2-BD4133B7955D}" type="datetimeFigureOut">
               <a:rPr lang="fr-FR" smtClean="0"/>
-              <a:t>14/12/2017</a:t>
+              <a:t>15/12/2017</a:t>
             </a:fld>
             <a:endParaRPr lang="fr-FR"/>
           </a:p>
@@ -285,7 +285,7 @@
           <a:p>
             <a:fld id="{EC14A2FC-A0AC-924F-B996-BB0B81E604E9}" type="slidenum">
               <a:rPr lang="fr-FR" smtClean="0"/>
-              <a:t>‹#›</a:t>
+              <a:t>‹N°›</a:t>
             </a:fld>
             <a:endParaRPr lang="fr-FR"/>
           </a:p>
@@ -413,7 +413,7 @@
           <a:p>
             <a:fld id="{A589C229-A4A4-9C4A-BCA2-BD4133B7955D}" type="datetimeFigureOut">
               <a:rPr lang="fr-FR" smtClean="0"/>
-              <a:t>14/12/2017</a:t>
+              <a:t>15/12/2017</a:t>
             </a:fld>
             <a:endParaRPr lang="fr-FR"/>
           </a:p>
@@ -455,7 +455,7 @@
           <a:p>
             <a:fld id="{EC14A2FC-A0AC-924F-B996-BB0B81E604E9}" type="slidenum">
               <a:rPr lang="fr-FR" smtClean="0"/>
-              <a:t>‹#›</a:t>
+              <a:t>‹N°›</a:t>
             </a:fld>
             <a:endParaRPr lang="fr-FR"/>
           </a:p>
@@ -593,7 +593,7 @@
           <a:p>
             <a:fld id="{A589C229-A4A4-9C4A-BCA2-BD4133B7955D}" type="datetimeFigureOut">
               <a:rPr lang="fr-FR" smtClean="0"/>
-              <a:t>14/12/2017</a:t>
+              <a:t>15/12/2017</a:t>
             </a:fld>
             <a:endParaRPr lang="fr-FR"/>
           </a:p>
@@ -635,7 +635,7 @@
           <a:p>
             <a:fld id="{EC14A2FC-A0AC-924F-B996-BB0B81E604E9}" type="slidenum">
               <a:rPr lang="fr-FR" smtClean="0"/>
-              <a:t>‹#›</a:t>
+              <a:t>‹N°›</a:t>
             </a:fld>
             <a:endParaRPr lang="fr-FR"/>
           </a:p>
@@ -763,7 +763,7 @@
           <a:p>
             <a:fld id="{A589C229-A4A4-9C4A-BCA2-BD4133B7955D}" type="datetimeFigureOut">
               <a:rPr lang="fr-FR" smtClean="0"/>
-              <a:t>14/12/2017</a:t>
+              <a:t>15/12/2017</a:t>
             </a:fld>
             <a:endParaRPr lang="fr-FR"/>
           </a:p>
@@ -805,7 +805,7 @@
           <a:p>
             <a:fld id="{EC14A2FC-A0AC-924F-B996-BB0B81E604E9}" type="slidenum">
               <a:rPr lang="fr-FR" smtClean="0"/>
-              <a:t>‹#›</a:t>
+              <a:t>‹N°›</a:t>
             </a:fld>
             <a:endParaRPr lang="fr-FR"/>
           </a:p>
@@ -1007,7 +1007,7 @@
           <a:p>
             <a:fld id="{A589C229-A4A4-9C4A-BCA2-BD4133B7955D}" type="datetimeFigureOut">
               <a:rPr lang="fr-FR" smtClean="0"/>
-              <a:t>14/12/2017</a:t>
+              <a:t>15/12/2017</a:t>
             </a:fld>
             <a:endParaRPr lang="fr-FR"/>
           </a:p>
@@ -1049,7 +1049,7 @@
           <a:p>
             <a:fld id="{EC14A2FC-A0AC-924F-B996-BB0B81E604E9}" type="slidenum">
               <a:rPr lang="fr-FR" smtClean="0"/>
-              <a:t>‹#›</a:t>
+              <a:t>‹N°›</a:t>
             </a:fld>
             <a:endParaRPr lang="fr-FR"/>
           </a:p>
@@ -1239,7 +1239,7 @@
           <a:p>
             <a:fld id="{A589C229-A4A4-9C4A-BCA2-BD4133B7955D}" type="datetimeFigureOut">
               <a:rPr lang="fr-FR" smtClean="0"/>
-              <a:t>14/12/2017</a:t>
+              <a:t>15/12/2017</a:t>
             </a:fld>
             <a:endParaRPr lang="fr-FR"/>
           </a:p>
@@ -1281,7 +1281,7 @@
           <a:p>
             <a:fld id="{EC14A2FC-A0AC-924F-B996-BB0B81E604E9}" type="slidenum">
               <a:rPr lang="fr-FR" smtClean="0"/>
-              <a:t>‹#›</a:t>
+              <a:t>‹N°›</a:t>
             </a:fld>
             <a:endParaRPr lang="fr-FR"/>
           </a:p>
@@ -1606,7 +1606,7 @@
           <a:p>
             <a:fld id="{A589C229-A4A4-9C4A-BCA2-BD4133B7955D}" type="datetimeFigureOut">
               <a:rPr lang="fr-FR" smtClean="0"/>
-              <a:t>14/12/2017</a:t>
+              <a:t>15/12/2017</a:t>
             </a:fld>
             <a:endParaRPr lang="fr-FR"/>
           </a:p>
@@ -1648,7 +1648,7 @@
           <a:p>
             <a:fld id="{EC14A2FC-A0AC-924F-B996-BB0B81E604E9}" type="slidenum">
               <a:rPr lang="fr-FR" smtClean="0"/>
-              <a:t>‹#›</a:t>
+              <a:t>‹N°›</a:t>
             </a:fld>
             <a:endParaRPr lang="fr-FR"/>
           </a:p>
@@ -1724,7 +1724,7 @@
           <a:p>
             <a:fld id="{A589C229-A4A4-9C4A-BCA2-BD4133B7955D}" type="datetimeFigureOut">
               <a:rPr lang="fr-FR" smtClean="0"/>
-              <a:t>14/12/2017</a:t>
+              <a:t>15/12/2017</a:t>
             </a:fld>
             <a:endParaRPr lang="fr-FR"/>
           </a:p>
@@ -1766,7 +1766,7 @@
           <a:p>
             <a:fld id="{EC14A2FC-A0AC-924F-B996-BB0B81E604E9}" type="slidenum">
               <a:rPr lang="fr-FR" smtClean="0"/>
-              <a:t>‹#›</a:t>
+              <a:t>‹N°›</a:t>
             </a:fld>
             <a:endParaRPr lang="fr-FR"/>
           </a:p>
@@ -1819,7 +1819,7 @@
           <a:p>
             <a:fld id="{A589C229-A4A4-9C4A-BCA2-BD4133B7955D}" type="datetimeFigureOut">
               <a:rPr lang="fr-FR" smtClean="0"/>
-              <a:t>14/12/2017</a:t>
+              <a:t>15/12/2017</a:t>
             </a:fld>
             <a:endParaRPr lang="fr-FR"/>
           </a:p>
@@ -1861,7 +1861,7 @@
           <a:p>
             <a:fld id="{EC14A2FC-A0AC-924F-B996-BB0B81E604E9}" type="slidenum">
               <a:rPr lang="fr-FR" smtClean="0"/>
-              <a:t>‹#›</a:t>
+              <a:t>‹N°›</a:t>
             </a:fld>
             <a:endParaRPr lang="fr-FR"/>
           </a:p>
@@ -2096,7 +2096,7 @@
           <a:p>
             <a:fld id="{A589C229-A4A4-9C4A-BCA2-BD4133B7955D}" type="datetimeFigureOut">
               <a:rPr lang="fr-FR" smtClean="0"/>
-              <a:t>14/12/2017</a:t>
+              <a:t>15/12/2017</a:t>
             </a:fld>
             <a:endParaRPr lang="fr-FR"/>
           </a:p>
@@ -2138,7 +2138,7 @@
           <a:p>
             <a:fld id="{EC14A2FC-A0AC-924F-B996-BB0B81E604E9}" type="slidenum">
               <a:rPr lang="fr-FR" smtClean="0"/>
-              <a:t>‹#›</a:t>
+              <a:t>‹N°›</a:t>
             </a:fld>
             <a:endParaRPr lang="fr-FR"/>
           </a:p>
@@ -2353,7 +2353,7 @@
           <a:p>
             <a:fld id="{A589C229-A4A4-9C4A-BCA2-BD4133B7955D}" type="datetimeFigureOut">
               <a:rPr lang="fr-FR" smtClean="0"/>
-              <a:t>14/12/2017</a:t>
+              <a:t>15/12/2017</a:t>
             </a:fld>
             <a:endParaRPr lang="fr-FR"/>
           </a:p>
@@ -2395,7 +2395,7 @@
           <a:p>
             <a:fld id="{EC14A2FC-A0AC-924F-B996-BB0B81E604E9}" type="slidenum">
               <a:rPr lang="fr-FR" smtClean="0"/>
-              <a:t>‹#›</a:t>
+              <a:t>‹N°›</a:t>
             </a:fld>
             <a:endParaRPr lang="fr-FR"/>
           </a:p>
@@ -2566,7 +2566,7 @@
           <a:p>
             <a:fld id="{A589C229-A4A4-9C4A-BCA2-BD4133B7955D}" type="datetimeFigureOut">
               <a:rPr lang="fr-FR" smtClean="0"/>
-              <a:t>14/12/2017</a:t>
+              <a:t>15/12/2017</a:t>
             </a:fld>
             <a:endParaRPr lang="fr-FR"/>
           </a:p>
@@ -2644,7 +2644,7 @@
           <a:p>
             <a:fld id="{EC14A2FC-A0AC-924F-B996-BB0B81E604E9}" type="slidenum">
               <a:rPr lang="fr-FR" smtClean="0"/>
-              <a:t>‹#›</a:t>
+              <a:t>‹N°›</a:t>
             </a:fld>
             <a:endParaRPr lang="fr-FR"/>
           </a:p>
@@ -5091,7 +5091,7 @@
   <a:extraClrSchemeLst/>
   <a:extLst>
     <a:ext uri="{05A4C25C-085E-4340-85A3-A5531E510DB2}">
-      <thm15:themeFamily xmlns:thm15="http://schemas.microsoft.com/office/thememl/2012/main" name="Office Theme" id="{62F939B6-93AF-4DB8-9C6B-D6C7DFDC589F}" vid="{4A3C46E8-61CC-4603-A589-7422A47A8E4A}"/>
+      <thm15:themeFamily xmlns:thm15="http://schemas.microsoft.com/office/thememl/2012/main" xmlns="" name="Office Theme" id="{62F939B6-93AF-4DB8-9C6B-D6C7DFDC589F}" vid="{4A3C46E8-61CC-4603-A589-7422A47A8E4A}"/>
     </a:ext>
   </a:extLst>
 </a:theme>
